--- a/demos/nonnull-interned-demo/checkers-demo-200911-devoxx.pptx
+++ b/demos/nonnull-interned-demo/checkers-demo-200911-devoxx.pptx
@@ -148,17 +148,6 @@
 </p:cmAuthorLst>
 </file>
 
-<file path=ppt/comments/comment1.xml><?xml version="1.0" encoding="utf-8"?>
-<p:cmLst xmlns:a="http://schemas.openxmlformats.org/drawingml/2006/main" xmlns:r="http://schemas.openxmlformats.org/officeDocument/2006/relationships" xmlns:p="http://schemas.openxmlformats.org/presentationml/2006/main">
-  <p:cm authorId="0" dt="2009-10-09T10:56:55.744" idx="2">
-    <p:pos x="10" y="10"/>
-    <p:text>DELETE THIS ITEM: 
-The Demo slide should be used before each demo, so we've a good indication during post-processing. 
-If possible try to group all of your demos in one block. </p:text>
-  </p:cm>
-</p:cmLst>
-</file>
-
 <file path=ppt/handoutMasters/handoutMaster1.xml><?xml version="1.0" encoding="utf-8"?>
 <p:handoutMaster xmlns:a="http://schemas.openxmlformats.org/drawingml/2006/main" xmlns:r="http://schemas.openxmlformats.org/officeDocument/2006/relationships" xmlns:p="http://schemas.openxmlformats.org/presentationml/2006/main">
   <p:cSld>
@@ -241,7 +230,8 @@
           <a:p>
             <a:fld id="{F1CB0A62-8E67-4C9C-BD0A-1B623B6FF41A}" type="datetimeFigureOut">
               <a:rPr lang="en-US" smtClean="0"/>
-              <a:t>11/12/2009</a:t>
+              <a:pPr/>
+              <a:t>11/17/2009</a:t>
             </a:fld>
             <a:endParaRPr lang="en-US"/>
           </a:p>
@@ -307,6 +297,7 @@
           <a:p>
             <a:fld id="{5C9087D8-3AD0-4D7C-955B-12306B598C0D}" type="slidenum">
               <a:rPr lang="en-US" smtClean="0"/>
+              <a:pPr/>
               <a:t>‹#›</a:t>
             </a:fld>
             <a:endParaRPr lang="en-US"/>
@@ -401,7 +392,8 @@
           <a:p>
             <a:fld id="{7E352BF5-329B-4DBF-99DF-ACF46ECAA31D}" type="datetimeFigureOut">
               <a:rPr lang="en-US" smtClean="0"/>
-              <a:t>11/12/2009</a:t>
+              <a:pPr/>
+              <a:t>11/17/2009</a:t>
             </a:fld>
             <a:endParaRPr lang="en-US"/>
           </a:p>
@@ -562,6 +554,7 @@
           <a:p>
             <a:fld id="{F602508A-4740-4BC3-A527-DDCBEA2949C3}" type="slidenum">
               <a:rPr lang="en-US" smtClean="0"/>
+              <a:pPr/>
               <a:t>‹#›</a:t>
             </a:fld>
             <a:endParaRPr lang="en-US"/>
@@ -993,6 +986,7 @@
           <a:p>
             <a:fld id="{F602508A-4740-4BC3-A527-DDCBEA2949C3}" type="slidenum">
               <a:rPr lang="en-US" smtClean="0"/>
+              <a:pPr/>
               <a:t>26</a:t>
             </a:fld>
             <a:endParaRPr lang="en-US"/>
@@ -1402,7 +1396,7 @@
             <a:fld id="{68E1BC78-26EE-F449-AB4E-4B63390B0AE5}" type="datetimeFigureOut">
               <a:rPr lang="nl-NL" smtClean="0"/>
               <a:pPr/>
-              <a:t>12-11-2009</a:t>
+              <a:t>17-11-2009</a:t>
             </a:fld>
             <a:endParaRPr lang="nl-NL"/>
           </a:p>
@@ -1717,7 +1711,7 @@
             <a:fld id="{68E1BC78-26EE-F449-AB4E-4B63390B0AE5}" type="datetimeFigureOut">
               <a:rPr lang="nl-NL" smtClean="0"/>
               <a:pPr/>
-              <a:t>12-11-2009</a:t>
+              <a:t>17-11-2009</a:t>
             </a:fld>
             <a:endParaRPr lang="nl-NL"/>
           </a:p>
@@ -2086,7 +2080,7 @@
             <a:fld id="{68E1BC78-26EE-F449-AB4E-4B63390B0AE5}" type="datetimeFigureOut">
               <a:rPr lang="nl-NL" smtClean="0"/>
               <a:pPr/>
-              <a:t>12-11-2009</a:t>
+              <a:t>17-11-2009</a:t>
             </a:fld>
             <a:endParaRPr lang="nl-NL" dirty="0"/>
           </a:p>
@@ -2625,11 +2619,7 @@
             <a:pPr algn="ctr"/>
             <a:r>
               <a:rPr lang="en-US" sz="2800" dirty="0" smtClean="0"/>
-              <a:t>University of </a:t>
-            </a:r>
-            <a:r>
-              <a:rPr lang="en-US" sz="2800" dirty="0" smtClean="0"/>
-              <a:t>Washington</a:t>
+              <a:t>University of Washington</a:t>
             </a:r>
             <a:endParaRPr lang="en-US" sz="2400" dirty="0" smtClean="0"/>
           </a:p>
@@ -2637,11 +2627,7 @@
             <a:pPr algn="ctr"/>
             <a:r>
               <a:rPr lang="en-US" sz="2400" dirty="0" smtClean="0"/>
-              <a:t>Joint </a:t>
-            </a:r>
-            <a:r>
-              <a:rPr lang="en-US" sz="2400" dirty="0" smtClean="0"/>
-              <a:t>work with </a:t>
+              <a:t>Joint work with </a:t>
             </a:r>
             <a:r>
               <a:rPr lang="en-US" sz="2400" dirty="0" err="1" smtClean="0"/>
@@ -2649,11 +2635,7 @@
             </a:r>
             <a:r>
               <a:rPr lang="en-US" sz="2400" dirty="0" smtClean="0"/>
-              <a:t> </a:t>
-            </a:r>
-            <a:r>
-              <a:rPr lang="en-US" sz="2400" dirty="0" smtClean="0"/>
-              <a:t>Ali</a:t>
+              <a:t> Ali</a:t>
             </a:r>
           </a:p>
           <a:p>
@@ -3052,7 +3034,6 @@
               <a:rPr lang="en-US" dirty="0" smtClean="0"/>
               <a:t>What bugs can you find &amp; prevent?</a:t>
             </a:r>
-            <a:endParaRPr lang="en-US" dirty="0" smtClean="0"/>
           </a:p>
         </p:txBody>
       </p:sp>
@@ -3388,11 +3369,7 @@
             </a:r>
             <a:r>
               <a:rPr lang="en-US" sz="3000" dirty="0" smtClean="0"/>
-              <a:t>	</a:t>
-            </a:r>
-            <a:r>
-              <a:rPr lang="en-US" sz="3000" dirty="0" smtClean="0"/>
-              <a:t>							</a:t>
+              <a:t>								</a:t>
             </a:r>
             <a:r>
               <a:rPr lang="en-US" sz="3000" b="1" dirty="0" smtClean="0">
@@ -3454,14 +3431,7 @@
                 <a:latin typeface="Courier New" pitchFamily="49" charset="0"/>
                 <a:cs typeface="Courier New" pitchFamily="49" charset="0"/>
               </a:rPr>
-              <a:t> </a:t>
-            </a:r>
-            <a:r>
-              <a:rPr lang="en-US" sz="3200" b="1" dirty="0" smtClean="0">
-                <a:latin typeface="Courier New" pitchFamily="49" charset="0"/>
-                <a:cs typeface="Courier New" pitchFamily="49" charset="0"/>
-              </a:rPr>
-              <a:t>										</a:t>
+              <a:t> 										</a:t>
             </a:r>
             <a:r>
               <a:rPr lang="en-US" sz="3000" b="1" dirty="0" smtClean="0">
@@ -3938,15 +3908,7 @@
           <a:p>
             <a:r>
               <a:rPr lang="en-US" dirty="0" smtClean="0"/>
-              <a:t>Works as a compiler plug-in </a:t>
-            </a:r>
-            <a:r>
-              <a:rPr lang="en-US" dirty="0" smtClean="0"/>
-              <a:t>(annotation </a:t>
-            </a:r>
-            <a:r>
-              <a:rPr lang="en-US" dirty="0" smtClean="0"/>
-              <a:t>processor)</a:t>
+              <a:t>Works as a compiler plug-in (annotation processor)</a:t>
             </a:r>
           </a:p>
           <a:p>
@@ -4219,6 +4181,32 @@
           </a:p>
         </p:txBody>
       </p:sp>
+      <p:pic>
+        <p:nvPicPr>
+          <p:cNvPr id="2050" name="Picture 2" descr="C:\cygwin\home\mernst\sync\screen-shot-checker.png"/>
+          <p:cNvPicPr>
+            <a:picLocks noChangeAspect="1" noChangeArrowheads="1"/>
+          </p:cNvPicPr>
+          <p:nvPr/>
+        </p:nvPicPr>
+        <p:blipFill>
+          <a:blip r:embed="rId2"/>
+          <a:srcRect/>
+          <a:stretch>
+            <a:fillRect/>
+          </a:stretch>
+        </p:blipFill>
+        <p:spPr bwMode="auto">
+          <a:xfrm>
+            <a:off x="1368879" y="3371850"/>
+            <a:ext cx="4940300" cy="2781300"/>
+          </a:xfrm>
+          <a:prstGeom prst="rect">
+            <a:avLst/>
+          </a:prstGeom>
+          <a:noFill/>
+        </p:spPr>
+      </p:pic>
     </p:spTree>
   </p:cSld>
   <p:clrMapOvr>
@@ -4228,7 +4216,137 @@
   <p:timing>
     <p:tnLst>
       <p:par>
-        <p:cTn id="1" dur="indefinite" restart="never" nodeType="tmRoot"/>
+        <p:cTn id="1" dur="indefinite" restart="never" nodeType="tmRoot">
+          <p:childTnLst>
+            <p:seq concurrent="1" nextAc="seek">
+              <p:cTn id="2" dur="indefinite" nodeType="mainSeq">
+                <p:childTnLst>
+                  <p:par>
+                    <p:cTn id="3" fill="hold">
+                      <p:stCondLst>
+                        <p:cond delay="indefinite"/>
+                      </p:stCondLst>
+                      <p:childTnLst>
+                        <p:par>
+                          <p:cTn id="4" fill="hold">
+                            <p:stCondLst>
+                              <p:cond delay="0"/>
+                            </p:stCondLst>
+                            <p:childTnLst>
+                              <p:par>
+                                <p:cTn id="5" presetID="1" presetClass="exit" presetSubtype="0" fill="hold" nodeType="clickEffect">
+                                  <p:stCondLst>
+                                    <p:cond delay="0"/>
+                                  </p:stCondLst>
+                                  <p:childTnLst>
+                                    <p:set>
+                                      <p:cBhvr>
+                                        <p:cTn id="6" dur="1" fill="hold">
+                                          <p:stCondLst>
+                                            <p:cond delay="0"/>
+                                          </p:stCondLst>
+                                        </p:cTn>
+                                        <p:tgtEl>
+                                          <p:spTgt spid="3">
+                                            <p:txEl>
+                                              <p:pRg st="4" end="4"/>
+                                            </p:txEl>
+                                          </p:spTgt>
+                                        </p:tgtEl>
+                                        <p:attrNameLst>
+                                          <p:attrName>style.visibility</p:attrName>
+                                        </p:attrNameLst>
+                                      </p:cBhvr>
+                                      <p:to>
+                                        <p:strVal val="hidden"/>
+                                      </p:to>
+                                    </p:set>
+                                  </p:childTnLst>
+                                </p:cTn>
+                              </p:par>
+                              <p:par>
+                                <p:cTn id="7" presetID="1" presetClass="exit" presetSubtype="0" fill="hold" nodeType="withEffect">
+                                  <p:stCondLst>
+                                    <p:cond delay="0"/>
+                                  </p:stCondLst>
+                                  <p:childTnLst>
+                                    <p:set>
+                                      <p:cBhvr>
+                                        <p:cTn id="8" dur="1" fill="hold">
+                                          <p:stCondLst>
+                                            <p:cond delay="0"/>
+                                          </p:stCondLst>
+                                        </p:cTn>
+                                        <p:tgtEl>
+                                          <p:spTgt spid="3">
+                                            <p:txEl>
+                                              <p:pRg st="6" end="6"/>
+                                            </p:txEl>
+                                          </p:spTgt>
+                                        </p:tgtEl>
+                                        <p:attrNameLst>
+                                          <p:attrName>style.visibility</p:attrName>
+                                        </p:attrNameLst>
+                                      </p:cBhvr>
+                                      <p:to>
+                                        <p:strVal val="hidden"/>
+                                      </p:to>
+                                    </p:set>
+                                  </p:childTnLst>
+                                </p:cTn>
+                              </p:par>
+                              <p:par>
+                                <p:cTn id="9" presetID="1" presetClass="entr" presetSubtype="0" fill="hold" nodeType="withEffect">
+                                  <p:stCondLst>
+                                    <p:cond delay="0"/>
+                                  </p:stCondLst>
+                                  <p:childTnLst>
+                                    <p:set>
+                                      <p:cBhvr>
+                                        <p:cTn id="10" dur="1" fill="hold">
+                                          <p:stCondLst>
+                                            <p:cond delay="0"/>
+                                          </p:stCondLst>
+                                        </p:cTn>
+                                        <p:tgtEl>
+                                          <p:spTgt spid="2050"/>
+                                        </p:tgtEl>
+                                        <p:attrNameLst>
+                                          <p:attrName>style.visibility</p:attrName>
+                                        </p:attrNameLst>
+                                      </p:cBhvr>
+                                      <p:to>
+                                        <p:strVal val="visible"/>
+                                      </p:to>
+                                    </p:set>
+                                  </p:childTnLst>
+                                </p:cTn>
+                              </p:par>
+                            </p:childTnLst>
+                          </p:cTn>
+                        </p:par>
+                      </p:childTnLst>
+                    </p:cTn>
+                  </p:par>
+                </p:childTnLst>
+              </p:cTn>
+              <p:prevCondLst>
+                <p:cond evt="onPrev" delay="0">
+                  <p:tgtEl>
+                    <p:sldTgt/>
+                  </p:tgtEl>
+                </p:cond>
+              </p:prevCondLst>
+              <p:nextCondLst>
+                <p:cond evt="onNext" delay="0">
+                  <p:tgtEl>
+                    <p:sldTgt/>
+                  </p:tgtEl>
+                </p:cond>
+              </p:nextCondLst>
+            </p:seq>
+          </p:childTnLst>
+        </p:cTn>
       </p:par>
     </p:tnLst>
   </p:timing>
@@ -4299,14 +4417,12 @@
               <a:rPr lang="en-US" dirty="0" smtClean="0"/>
               <a:t>Guarantee the absence of errors</a:t>
             </a:r>
-            <a:endParaRPr lang="en-US" dirty="0" smtClean="0"/>
           </a:p>
           <a:p>
             <a:r>
               <a:rPr lang="en-US" dirty="0" smtClean="0"/>
               <a:t>Verify the correctness of optimizations</a:t>
             </a:r>
-            <a:endParaRPr lang="en-US" dirty="0" smtClean="0"/>
           </a:p>
         </p:txBody>
       </p:sp>
@@ -4552,7 +4668,7 @@
           <p:nvPr/>
         </p:nvGraphicFramePr>
         <p:xfrm>
-          <a:off x="152400" y="1600200"/>
+          <a:off x="152400" y="1484088"/>
           <a:ext cx="8839200" cy="3535680"/>
         </p:xfrm>
         <a:graphic>
@@ -6838,8 +6954,8 @@
         </p:nvSpPr>
         <p:spPr bwMode="auto">
           <a:xfrm>
-            <a:off x="381000" y="5177294"/>
-            <a:ext cx="8382000" cy="1368425"/>
+            <a:off x="362857" y="5061182"/>
+            <a:ext cx="8781143" cy="1368425"/>
           </a:xfrm>
           <a:prstGeom prst="rect">
             <a:avLst/>
@@ -6942,7 +7058,37 @@
               <a:rPr lang="en-US" sz="2400" dirty="0" smtClean="0">
                 <a:latin typeface="Calibri" pitchFamily="34" charset="0"/>
               </a:rPr>
-              <a:t>Also found errors in the Google Collections (has &gt;20,000 tests)</a:t>
+              <a:t>Also, </a:t>
+            </a:r>
+            <a:r>
+              <a:rPr lang="en-US" sz="2400" dirty="0" smtClean="0">
+                <a:latin typeface="Calibri" pitchFamily="34" charset="0"/>
+              </a:rPr>
+              <a:t>errors in </a:t>
+            </a:r>
+            <a:r>
+              <a:rPr lang="en-US" sz="2400" dirty="0" smtClean="0">
+                <a:latin typeface="Calibri" pitchFamily="34" charset="0"/>
+              </a:rPr>
+              <a:t>Google Collections </a:t>
+            </a:r>
+            <a:r>
+              <a:rPr lang="en-US" sz="2400" dirty="0" smtClean="0">
+                <a:latin typeface="Calibri" pitchFamily="34" charset="0"/>
+              </a:rPr>
+              <a:t>(&gt;20,000 tests, </a:t>
+            </a:r>
+            <a:r>
+              <a:rPr lang="en-US" sz="2400" dirty="0" err="1" smtClean="0">
+                <a:latin typeface="Calibri" pitchFamily="34" charset="0"/>
+              </a:rPr>
+              <a:t>FindBugs</a:t>
+            </a:r>
+            <a:r>
+              <a:rPr lang="en-US" sz="2400" dirty="0" smtClean="0">
+                <a:latin typeface="Calibri" pitchFamily="34" charset="0"/>
+              </a:rPr>
+              <a:t>)</a:t>
             </a:r>
             <a:endParaRPr lang="en-US" sz="2400" dirty="0">
               <a:latin typeface="Calibri" pitchFamily="34" charset="0"/>
@@ -7083,11 +7229,7 @@
           <a:p>
             <a:r>
               <a:rPr lang="en-US" dirty="0" smtClean="0"/>
-              <a:t>Flow-sensitive type qualifier </a:t>
-            </a:r>
-            <a:r>
-              <a:rPr lang="en-US" dirty="0" smtClean="0"/>
-              <a:t>inference</a:t>
+              <a:t>Flow-sensitive type qualifier inference</a:t>
             </a:r>
           </a:p>
           <a:p>
@@ -7096,7 +7238,6 @@
               <a:rPr lang="en-US" dirty="0" smtClean="0"/>
               <a:t>Infers types for local variables</a:t>
             </a:r>
-            <a:endParaRPr lang="en-US" dirty="0" smtClean="0"/>
           </a:p>
           <a:p>
             <a:r>
@@ -7262,15 +7403,7 @@
             </a:r>
             <a:r>
               <a:rPr lang="en-US" dirty="0" smtClean="0"/>
-              <a:t>, </a:t>
-            </a:r>
-            <a:r>
-              <a:rPr lang="en-US" dirty="0" smtClean="0"/>
-              <a:t>Eclipse</a:t>
-            </a:r>
-            <a:r>
-              <a:rPr lang="en-US" dirty="0" smtClean="0"/>
-              <a:t>, </a:t>
+              <a:t>, Eclipse, </a:t>
             </a:r>
             <a:r>
               <a:rPr lang="en-US" dirty="0" err="1" smtClean="0"/>
@@ -7278,17 +7411,8 @@
             </a:r>
             <a:r>
               <a:rPr lang="en-US" dirty="0" smtClean="0"/>
-              <a:t>, </a:t>
-            </a:r>
-            <a:r>
-              <a:rPr lang="en-US" dirty="0" smtClean="0"/>
-              <a:t>Ant, </a:t>
-            </a:r>
-            <a:r>
-              <a:rPr lang="en-US" dirty="0" smtClean="0"/>
-              <a:t>Maven</a:t>
-            </a:r>
-            <a:endParaRPr lang="en-US" dirty="0" smtClean="0"/>
+              <a:t>, Ant, Maven</a:t>
+            </a:r>
           </a:p>
           <a:p>
             <a:pPr>
@@ -7346,13 +7470,8 @@
             </a:pPr>
             <a:r>
               <a:rPr lang="en-US" dirty="0" smtClean="0"/>
-              <a:t>with program-wide defaults, 1 per 2000 </a:t>
-            </a:r>
-            <a:r>
-              <a:rPr lang="en-US" dirty="0" smtClean="0"/>
-              <a:t>lines</a:t>
-            </a:r>
-            <a:endParaRPr lang="en-US" dirty="0" smtClean="0"/>
+              <a:t>with program-wide defaults, 1 per 2000 lines</a:t>
+            </a:r>
           </a:p>
           <a:p>
             <a:pPr lvl="1">
@@ -7414,11 +7533,7 @@
             </a:r>
             <a:r>
               <a:rPr lang="en-US" dirty="0" smtClean="0"/>
-              <a:t>, </a:t>
-            </a:r>
-            <a:r>
-              <a:rPr lang="en-US" dirty="0" smtClean="0"/>
-              <a:t>mutability</a:t>
+              <a:t>, mutability</a:t>
             </a:r>
           </a:p>
           <a:p>
@@ -7769,11 +7884,7 @@
             </a:pPr>
             <a:r>
               <a:rPr lang="en-US" dirty="0" smtClean="0"/>
-              <a:t>For </a:t>
-            </a:r>
-            <a:r>
-              <a:rPr lang="en-US" dirty="0" smtClean="0"/>
-              <a:t>signatures, not bodies</a:t>
+              <a:t>For signatures, not bodies</a:t>
             </a:r>
           </a:p>
           <a:p>
@@ -7901,7 +8012,6 @@
               <a:rPr lang="en-US" dirty="0" smtClean="0"/>
               <a:t>Motivation</a:t>
             </a:r>
-            <a:endParaRPr lang="en-US" dirty="0" smtClean="0"/>
           </a:p>
         </p:txBody>
       </p:sp>
@@ -9479,7 +9589,6 @@
               <a:rPr lang="en-US" dirty="0" smtClean="0"/>
               <a:t>Qualifier hierarchy 	– rules for assignment</a:t>
             </a:r>
-            <a:endParaRPr lang="en-US" dirty="0" smtClean="0"/>
           </a:p>
           <a:p>
             <a:pPr marL="514350" indent="-514350" eaLnBrk="1" hangingPunct="1">
@@ -9489,13 +9598,8 @@
             </a:pPr>
             <a:r>
               <a:rPr lang="en-US" dirty="0" smtClean="0"/>
-              <a:t>Type </a:t>
-            </a:r>
-            <a:r>
-              <a:rPr lang="en-US" dirty="0" smtClean="0"/>
-              <a:t>introduction		– types for expressions</a:t>
-            </a:r>
-            <a:endParaRPr lang="en-US" dirty="0" smtClean="0"/>
+              <a:t>Type introduction		– types for expressions</a:t>
+            </a:r>
           </a:p>
           <a:p>
             <a:pPr marL="514350" indent="-514350" eaLnBrk="1" hangingPunct="1">
@@ -9507,7 +9611,6 @@
               <a:rPr lang="en-US" dirty="0" smtClean="0"/>
               <a:t>Type rules					– checker-specific errors</a:t>
             </a:r>
-            <a:endParaRPr lang="en-US" dirty="0" smtClean="0"/>
           </a:p>
           <a:p>
             <a:pPr eaLnBrk="1" hangingPunct="1">
@@ -9731,15 +9834,7 @@
                   <a:srgbClr val="FF0000"/>
                 </a:solidFill>
               </a:rPr>
-              <a:t>Qualifier </a:t>
-            </a:r>
-            <a:r>
-              <a:rPr lang="en-US" dirty="0" smtClean="0">
-                <a:solidFill>
-                  <a:srgbClr val="FF0000"/>
-                </a:solidFill>
-              </a:rPr>
-              <a:t>hierarchy</a:t>
+              <a:t>Qualifier hierarchy</a:t>
             </a:r>
           </a:p>
           <a:p>
@@ -9750,13 +9845,8 @@
             </a:pPr>
             <a:r>
               <a:rPr lang="en-US" dirty="0" smtClean="0"/>
-              <a:t>Type </a:t>
-            </a:r>
-            <a:r>
-              <a:rPr lang="en-US" dirty="0" smtClean="0"/>
-              <a:t>introduction</a:t>
-            </a:r>
-            <a:endParaRPr lang="en-US" dirty="0" smtClean="0"/>
+              <a:t>Type introduction</a:t>
+            </a:r>
           </a:p>
           <a:p>
             <a:pPr marL="514350" indent="-514350" eaLnBrk="1" hangingPunct="1">
@@ -9766,11 +9856,7 @@
             </a:pPr>
             <a:r>
               <a:rPr lang="en-US" dirty="0" smtClean="0"/>
-              <a:t>Type </a:t>
-            </a:r>
-            <a:r>
-              <a:rPr lang="en-US" dirty="0" smtClean="0"/>
-              <a:t>rules</a:t>
+              <a:t>Type rules</a:t>
             </a:r>
           </a:p>
           <a:p>
@@ -10028,11 +10114,7 @@
             </a:pPr>
             <a:r>
               <a:rPr lang="en-US" dirty="0" smtClean="0"/>
-              <a:t>Qualifier </a:t>
-            </a:r>
-            <a:r>
-              <a:rPr lang="en-US" dirty="0" smtClean="0"/>
-              <a:t>hierarchy</a:t>
+              <a:t>Qualifier hierarchy</a:t>
             </a:r>
           </a:p>
           <a:p>
@@ -10050,21 +10132,8 @@
                   <a:srgbClr val="FF0000"/>
                 </a:solidFill>
               </a:rPr>
-              <a:t>Type </a:t>
-            </a:r>
-            <a:r>
-              <a:rPr lang="en-US" dirty="0" smtClean="0">
-                <a:solidFill>
-                  <a:srgbClr val="FF0000"/>
-                </a:solidFill>
-              </a:rPr>
-              <a:t>introduction</a:t>
-            </a:r>
-            <a:endParaRPr lang="en-US" dirty="0" smtClean="0">
-              <a:solidFill>
-                <a:srgbClr val="FF0000"/>
-              </a:solidFill>
-            </a:endParaRPr>
+              <a:t>Type introduction</a:t>
+            </a:r>
           </a:p>
           <a:p>
             <a:pPr marL="514350" indent="-514350" eaLnBrk="1" hangingPunct="1">
@@ -10077,11 +10146,7 @@
             </a:pPr>
             <a:r>
               <a:rPr lang="en-US" dirty="0" smtClean="0"/>
-              <a:t>Type </a:t>
-            </a:r>
-            <a:r>
-              <a:rPr lang="en-US" dirty="0" smtClean="0"/>
-              <a:t>rules</a:t>
+              <a:t>Type rules</a:t>
             </a:r>
           </a:p>
           <a:p>
@@ -10454,11 +10519,7 @@
             </a:pPr>
             <a:r>
               <a:rPr lang="en-US" dirty="0" smtClean="0"/>
-              <a:t>Qualifier </a:t>
-            </a:r>
-            <a:r>
-              <a:rPr lang="en-US" dirty="0" smtClean="0"/>
-              <a:t>hierarchy</a:t>
+              <a:t>Qualifier hierarchy</a:t>
             </a:r>
           </a:p>
           <a:p>
@@ -10472,13 +10533,8 @@
             </a:pPr>
             <a:r>
               <a:rPr lang="en-US" dirty="0" smtClean="0"/>
-              <a:t>Type </a:t>
-            </a:r>
-            <a:r>
-              <a:rPr lang="en-US" dirty="0" smtClean="0"/>
-              <a:t>introduction</a:t>
-            </a:r>
-            <a:endParaRPr lang="en-US" dirty="0" smtClean="0"/>
+              <a:t>Type introduction</a:t>
+            </a:r>
           </a:p>
           <a:p>
             <a:pPr marL="514350" indent="-514350" eaLnBrk="1" hangingPunct="1">
@@ -10495,15 +10551,7 @@
                   <a:srgbClr val="FF0000"/>
                 </a:solidFill>
               </a:rPr>
-              <a:t>Type </a:t>
-            </a:r>
-            <a:r>
-              <a:rPr lang="en-US" dirty="0" smtClean="0">
-                <a:solidFill>
-                  <a:srgbClr val="FF0000"/>
-                </a:solidFill>
-              </a:rPr>
-              <a:t>rules</a:t>
+              <a:t>Type rules</a:t>
             </a:r>
           </a:p>
           <a:p>
@@ -11659,13 +11707,7 @@
               <a:rPr lang="en-US" dirty="0" smtClean="0">
                 <a:hlinkClick r:id="rId3"/>
               </a:rPr>
-              <a:t>http</a:t>
-            </a:r>
-            <a:r>
-              <a:rPr lang="en-US" dirty="0" smtClean="0">
-                <a:hlinkClick r:id="rId3"/>
-              </a:rPr>
-              <a:t>://</a:t>
+              <a:t>http://</a:t>
             </a:r>
             <a:r>
               <a:rPr lang="en-US" dirty="0" smtClean="0">
@@ -11878,25 +11920,7 @@
                 <a:cs typeface="Courier New" pitchFamily="49" charset="0"/>
                 <a:sym typeface="Courier" charset="0"/>
               </a:rPr>
-              <a:t>(date, “Java </a:t>
-            </a:r>
-            <a:r>
-              <a:rPr lang="en-US" b="1" dirty="0" smtClean="0">
-                <a:latin typeface="Courier New" pitchFamily="49" charset="0"/>
-                <a:ea typeface="Courier" charset="0"/>
-                <a:cs typeface="Courier New" pitchFamily="49" charset="0"/>
-                <a:sym typeface="Courier" charset="0"/>
-              </a:rPr>
-              <a:t>epoch</a:t>
-            </a:r>
-            <a:r>
-              <a:rPr lang="en-US" b="1" dirty="0" smtClean="0">
-                <a:latin typeface="Courier New" pitchFamily="49" charset="0"/>
-                <a:ea typeface="Courier" charset="0"/>
-                <a:cs typeface="Courier New" pitchFamily="49" charset="0"/>
-                <a:sym typeface="Courier" charset="0"/>
-              </a:rPr>
-              <a:t>”);</a:t>
+              <a:t>(date, “Java epoch”);</a:t>
             </a:r>
             <a:br>
               <a:rPr lang="en-US" b="1" dirty="0" smtClean="0">
@@ -11948,25 +11972,7 @@
                 <a:cs typeface="Courier New" pitchFamily="49" charset="0"/>
                 <a:sym typeface="Courier" charset="0"/>
               </a:rPr>
-              <a:t>(date, “Linux </a:t>
-            </a:r>
-            <a:r>
-              <a:rPr lang="en-US" b="1" dirty="0" smtClean="0">
-                <a:latin typeface="Courier New" pitchFamily="49" charset="0"/>
-                <a:ea typeface="Courier" charset="0"/>
-                <a:cs typeface="Courier New" pitchFamily="49" charset="0"/>
-                <a:sym typeface="Courier" charset="0"/>
-              </a:rPr>
-              <a:t>epoch</a:t>
-            </a:r>
-            <a:r>
-              <a:rPr lang="en-US" b="1" dirty="0" smtClean="0">
-                <a:latin typeface="Courier New" pitchFamily="49" charset="0"/>
-                <a:ea typeface="Courier" charset="0"/>
-                <a:cs typeface="Courier New" pitchFamily="49" charset="0"/>
-                <a:sym typeface="Courier" charset="0"/>
-              </a:rPr>
-              <a:t>”);</a:t>
+              <a:t>(date, “Linux epoch”);</a:t>
             </a:r>
             <a:endParaRPr lang="en-US" b="1" dirty="0" smtClean="0">
               <a:ea typeface="Courier" charset="0"/>
@@ -12538,15 +12544,7 @@
             <a:pPr eaLnBrk="1" hangingPunct="1"/>
             <a:r>
               <a:rPr lang="en-GB" dirty="0" smtClean="0"/>
-              <a:t>Write type qualifiers in code (or, </a:t>
-            </a:r>
-            <a:r>
-              <a:rPr lang="en-GB" dirty="0" smtClean="0"/>
-              <a:t>use type </a:t>
-            </a:r>
-            <a:r>
-              <a:rPr lang="en-GB" dirty="0" smtClean="0"/>
-              <a:t>inference)</a:t>
+              <a:t>Write type qualifiers in code (or, use type inference)</a:t>
             </a:r>
           </a:p>
           <a:p>
@@ -12669,11 +12667,15 @@
             </a:pPr>
             <a:r>
               <a:rPr lang="en-GB" dirty="0" smtClean="0"/>
-              <a:t>Type checker warns about violations (bugs</a:t>
+              <a:t>Type checker </a:t>
             </a:r>
             <a:r>
               <a:rPr lang="en-GB" dirty="0" smtClean="0"/>
-              <a:t>)</a:t>
+              <a:t>warns </a:t>
+            </a:r>
+            <a:r>
+              <a:rPr lang="en-GB" dirty="0" smtClean="0"/>
+              <a:t>about violations (bugs)</a:t>
             </a:r>
             <a:endParaRPr lang="en-US" sz="2000" b="1" dirty="0" smtClean="0">
               <a:latin typeface="Courier New" pitchFamily="49" charset="0"/>
@@ -13242,13 +13244,7 @@
               <a:rPr lang="en-GB" sz="2400" b="1" dirty="0" smtClean="0">
                 <a:latin typeface="Courier New" pitchFamily="49" charset="0"/>
               </a:rPr>
-              <a:t> </a:t>
-            </a:r>
-            <a:r>
-              <a:rPr lang="en-GB" sz="2400" b="1" dirty="0" smtClean="0">
-                <a:latin typeface="Courier New" pitchFamily="49" charset="0"/>
-              </a:rPr>
-              <a:t> implements </a:t>
+              <a:t>  implements </a:t>
             </a:r>
             <a:r>
               <a:rPr lang="en-GB" sz="2400" b="1" dirty="0" smtClean="0">
@@ -13481,15 +13477,7 @@
                   <a:srgbClr val="FF0000"/>
                 </a:solidFill>
               </a:rPr>
-              <a:t>Find </a:t>
-            </a:r>
-            <a:r>
-              <a:rPr lang="en-US" b="1" dirty="0" smtClean="0">
-                <a:solidFill>
-                  <a:srgbClr val="FF0000"/>
-                </a:solidFill>
-              </a:rPr>
-              <a:t>bugs </a:t>
+              <a:t>Find bugs </a:t>
             </a:r>
             <a:r>
               <a:rPr lang="en-US" dirty="0" smtClean="0"/>
@@ -13539,11 +13527,7 @@
           <a:p>
             <a:r>
               <a:rPr lang="en-US" dirty="0" smtClean="0"/>
-              <a:t>Aid </a:t>
-            </a:r>
-            <a:r>
-              <a:rPr lang="en-US" dirty="0" smtClean="0"/>
-              <a:t>compilers, optimizers, and analysis tools</a:t>
+              <a:t>Aid compilers, optimizers, and analysis tools</a:t>
             </a:r>
           </a:p>
           <a:p>

--- a/demos/nonnull-interned-demo/checkers-demo-200911-devoxx.pptx
+++ b/demos/nonnull-interned-demo/checkers-demo-200911-devoxx.pptx
@@ -231,7 +231,7 @@
             <a:fld id="{F1CB0A62-8E67-4C9C-BD0A-1B623B6FF41A}" type="datetimeFigureOut">
               <a:rPr lang="en-US" smtClean="0"/>
               <a:pPr/>
-              <a:t>11/17/2009</a:t>
+              <a:t>11/19/2009</a:t>
             </a:fld>
             <a:endParaRPr lang="en-US"/>
           </a:p>
@@ -393,7 +393,7 @@
             <a:fld id="{7E352BF5-329B-4DBF-99DF-ACF46ECAA31D}" type="datetimeFigureOut">
               <a:rPr lang="en-US" smtClean="0"/>
               <a:pPr/>
-              <a:t>11/17/2009</a:t>
+              <a:t>11/19/2009</a:t>
             </a:fld>
             <a:endParaRPr lang="en-US"/>
           </a:p>
@@ -1396,7 +1396,7 @@
             <a:fld id="{68E1BC78-26EE-F449-AB4E-4B63390B0AE5}" type="datetimeFigureOut">
               <a:rPr lang="nl-NL" smtClean="0"/>
               <a:pPr/>
-              <a:t>17-11-2009</a:t>
+              <a:t>19-11-2009</a:t>
             </a:fld>
             <a:endParaRPr lang="nl-NL"/>
           </a:p>
@@ -1711,7 +1711,7 @@
             <a:fld id="{68E1BC78-26EE-F449-AB4E-4B63390B0AE5}" type="datetimeFigureOut">
               <a:rPr lang="nl-NL" smtClean="0"/>
               <a:pPr/>
-              <a:t>17-11-2009</a:t>
+              <a:t>19-11-2009</a:t>
             </a:fld>
             <a:endParaRPr lang="nl-NL"/>
           </a:p>
@@ -2080,7 +2080,7 @@
             <a:fld id="{68E1BC78-26EE-F449-AB4E-4B63390B0AE5}" type="datetimeFigureOut">
               <a:rPr lang="nl-NL" smtClean="0"/>
               <a:pPr/>
-              <a:t>17-11-2009</a:t>
+              <a:t>19-11-2009</a:t>
             </a:fld>
             <a:endParaRPr lang="nl-NL" dirty="0"/>
           </a:p>
@@ -2563,7 +2563,7 @@
             </a:br>
             <a:r>
               <a:rPr lang="en-US" sz="4400" b="1" dirty="0" smtClean="0"/>
-              <a:t>with pluggable type checking</a:t>
+              <a:t>with pluggable type-checking</a:t>
             </a:r>
             <a:endParaRPr kumimoji="0" lang="nl-NL" sz="4400" b="1" i="0" u="none" strike="noStrike" kern="1200" cap="all" spc="0" normalizeH="0" baseline="0" noProof="0" dirty="0">
               <a:ln>
@@ -3376,14 +3376,7 @@
                 <a:latin typeface="Courier New" pitchFamily="49" charset="0"/>
                 <a:cs typeface="Courier New" pitchFamily="49" charset="0"/>
               </a:rPr>
-              <a:t>@</a:t>
-            </a:r>
-            <a:r>
-              <a:rPr lang="en-US" sz="3000" b="1" dirty="0" err="1" smtClean="0">
-                <a:latin typeface="Courier New" pitchFamily="49" charset="0"/>
-                <a:cs typeface="Courier New" pitchFamily="49" charset="0"/>
-              </a:rPr>
-              <a:t>GuardedBy</a:t>
+              <a:t>@Untainted</a:t>
             </a:r>
             <a:endParaRPr kumimoji="0" lang="en-US" sz="3200" b="0" i="0" u="none" strike="noStrike" kern="1200" cap="none" spc="0" normalizeH="0" baseline="0" noProof="0" dirty="0" smtClean="0">
               <a:ln>
@@ -3914,7 +3907,7 @@
           <a:p>
             <a:r>
               <a:rPr lang="en-US" dirty="0" smtClean="0"/>
-              <a:t>Use familiar error messages</a:t>
+              <a:t>Uses familiar error messages</a:t>
             </a:r>
           </a:p>
           <a:p>
@@ -3943,10 +3936,23 @@
                 <a:latin typeface="Courier New" pitchFamily="49" charset="0"/>
                 <a:cs typeface="Courier New" pitchFamily="49" charset="0"/>
               </a:rPr>
-              <a:t> –processor </a:t>
-            </a:r>
-            <a:r>
-              <a:rPr lang="en-US" sz="2600" b="1" u="sng" dirty="0" err="1" smtClean="0">
+              <a:t> </a:t>
+            </a:r>
+            <a:r>
+              <a:rPr lang="en-US" sz="2600" b="1" dirty="0" smtClean="0">
+                <a:solidFill>
+                  <a:srgbClr val="FF0000"/>
+                </a:solidFill>
+                <a:latin typeface="Courier New" pitchFamily="49" charset="0"/>
+                <a:cs typeface="Courier New" pitchFamily="49" charset="0"/>
+              </a:rPr>
+              <a:t>–processor </a:t>
+            </a:r>
+            <a:r>
+              <a:rPr lang="en-US" sz="2600" b="1" dirty="0" err="1" smtClean="0">
+                <a:solidFill>
+                  <a:srgbClr val="FF0000"/>
+                </a:solidFill>
                 <a:latin typeface="Courier New" pitchFamily="49" charset="0"/>
                 <a:cs typeface="Courier New" pitchFamily="49" charset="0"/>
               </a:rPr>
@@ -3954,10 +3960,20 @@
             </a:r>
             <a:r>
               <a:rPr lang="en-US" sz="2600" b="1" dirty="0" smtClean="0">
-                <a:latin typeface="Courier New" pitchFamily="49" charset="0"/>
-                <a:cs typeface="Courier New" pitchFamily="49" charset="0"/>
-              </a:rPr>
-              <a:t> MyFile.java</a:t>
+                <a:solidFill>
+                  <a:srgbClr val="FF0000"/>
+                </a:solidFill>
+                <a:latin typeface="Courier New" pitchFamily="49" charset="0"/>
+                <a:cs typeface="Courier New" pitchFamily="49" charset="0"/>
+              </a:rPr>
+              <a:t> </a:t>
+            </a:r>
+            <a:r>
+              <a:rPr lang="en-US" sz="2600" b="1" dirty="0" smtClean="0">
+                <a:latin typeface="Courier New" pitchFamily="49" charset="0"/>
+                <a:cs typeface="Courier New" pitchFamily="49" charset="0"/>
+              </a:rPr>
+              <a:t>MyFile.java</a:t>
             </a:r>
             <a:endParaRPr lang="en-US" sz="2800" b="1" dirty="0" smtClean="0">
               <a:latin typeface="Courier New" pitchFamily="49" charset="0"/>
@@ -4198,8 +4214,8 @@
         </p:blipFill>
         <p:spPr bwMode="auto">
           <a:xfrm>
-            <a:off x="1368879" y="3371850"/>
-            <a:ext cx="4940300" cy="2781300"/>
+            <a:off x="1074589" y="3219958"/>
+            <a:ext cx="6219590" cy="3501517"/>
           </a:xfrm>
           <a:prstGeom prst="rect">
             <a:avLst/>
@@ -7058,25 +7074,7 @@
               <a:rPr lang="en-US" sz="2400" dirty="0" smtClean="0">
                 <a:latin typeface="Calibri" pitchFamily="34" charset="0"/>
               </a:rPr>
-              <a:t>Also, </a:t>
-            </a:r>
-            <a:r>
-              <a:rPr lang="en-US" sz="2400" dirty="0" smtClean="0">
-                <a:latin typeface="Calibri" pitchFamily="34" charset="0"/>
-              </a:rPr>
-              <a:t>errors in </a:t>
-            </a:r>
-            <a:r>
-              <a:rPr lang="en-US" sz="2400" dirty="0" smtClean="0">
-                <a:latin typeface="Calibri" pitchFamily="34" charset="0"/>
-              </a:rPr>
-              <a:t>Google Collections </a:t>
-            </a:r>
-            <a:r>
-              <a:rPr lang="en-US" sz="2400" dirty="0" smtClean="0">
-                <a:latin typeface="Calibri" pitchFamily="34" charset="0"/>
-              </a:rPr>
-              <a:t>(&gt;20,000 tests, </a:t>
+              <a:t>Also, errors in Google Collections (&gt;20,000 tests, </a:t>
             </a:r>
             <a:r>
               <a:rPr lang="en-US" sz="2400" dirty="0" err="1" smtClean="0">
@@ -7403,15 +7401,7 @@
             </a:r>
             <a:r>
               <a:rPr lang="en-US" dirty="0" smtClean="0"/>
-              <a:t>, Eclipse, </a:t>
-            </a:r>
-            <a:r>
-              <a:rPr lang="en-US" dirty="0" err="1" smtClean="0"/>
-              <a:t>Netbeans</a:t>
-            </a:r>
-            <a:r>
-              <a:rPr lang="en-US" dirty="0" smtClean="0"/>
-              <a:t>, Ant, Maven</a:t>
+              <a:t>, Eclipse, Ant, Maven</a:t>
             </a:r>
           </a:p>
           <a:p>
@@ -7459,7 +7449,7 @@
             </a:r>
             <a:r>
               <a:rPr lang="en-US" dirty="0" smtClean="0"/>
-              <a:t>: 1 per 75 lines</a:t>
+              <a:t>:  1 per 75 lines</a:t>
             </a:r>
           </a:p>
           <a:p>
@@ -7525,7 +7515,7 @@
             </a:pPr>
             <a:r>
               <a:rPr lang="en-US" dirty="0" smtClean="0"/>
-              <a:t>Inference tools: </a:t>
+              <a:t>Inference tools:  </a:t>
             </a:r>
             <a:r>
               <a:rPr lang="en-US" dirty="0" err="1" smtClean="0"/>
@@ -8602,7 +8592,7 @@
                   <a:srgbClr val="FF0000"/>
                 </a:solidFill>
               </a:rPr>
-              <a:t>a’ or ‘t’=‘t</a:t>
+              <a:t>a’ or ‘1’=‘1</a:t>
             </a:r>
           </a:p>
           <a:p>
@@ -8663,7 +8653,7 @@
                 <a:latin typeface="Courier New" pitchFamily="49" charset="0"/>
                 <a:cs typeface="Courier New" pitchFamily="49" charset="0"/>
               </a:rPr>
-              <a:t>a’ or ‘t’=‘t</a:t>
+              <a:t>a’ or ‘1’=‘1</a:t>
             </a:r>
             <a:r>
               <a:rPr lang="en-US" sz="2400" b="1" dirty="0" smtClean="0">
@@ -9270,12 +9260,26 @@
             <p:ph idx="1"/>
           </p:nvPr>
         </p:nvSpPr>
-        <p:spPr/>
+        <p:spPr>
+          <a:xfrm>
+            <a:off x="457200" y="1600200"/>
+            <a:ext cx="8229600" cy="4525963"/>
+          </a:xfrm>
+        </p:spPr>
         <p:txBody>
           <a:bodyPr/>
           <a:lstStyle/>
           <a:p>
-            <a:endParaRPr lang="en-US" smtClean="0"/>
+            <a:r>
+              <a:rPr lang="en-US" dirty="0" smtClean="0"/>
+              <a:t>Detect SQL injection vulnerability</a:t>
+            </a:r>
+          </a:p>
+          <a:p>
+            <a:r>
+              <a:rPr lang="en-US" dirty="0" smtClean="0"/>
+              <a:t>Guarantee absence of such vulnerabilities</a:t>
+            </a:r>
           </a:p>
         </p:txBody>
       </p:sp>
@@ -11659,10 +11663,22 @@
             </a:r>
           </a:p>
           <a:p>
-            <a:pPr eaLnBrk="1" hangingPunct="1"/>
+            <a:pPr eaLnBrk="1" hangingPunct="1">
+              <a:buClr>
+                <a:schemeClr val="tx1"/>
+              </a:buClr>
+            </a:pPr>
+            <a:r>
+              <a:rPr lang="en-US" dirty="0" smtClean="0">
+                <a:solidFill>
+                  <a:srgbClr val="FF0000"/>
+                </a:solidFill>
+              </a:rPr>
+              <a:t>Checker Framework </a:t>
+            </a:r>
             <a:r>
               <a:rPr lang="en-US" dirty="0" smtClean="0"/>
-              <a:t>Checker Framework for creating type checkers</a:t>
+              <a:t>for creating type checkers</a:t>
             </a:r>
           </a:p>
           <a:p>
@@ -12227,19 +12243,7 @@
             <a:pPr lvl="1"/>
             <a:r>
               <a:rPr lang="en-US" dirty="0" smtClean="0"/>
-              <a:t>If you are </a:t>
-            </a:r>
-            <a:r>
-              <a:rPr lang="en-US" dirty="0" smtClean="0">
-                <a:solidFill>
-                  <a:srgbClr val="FF0000"/>
-                </a:solidFill>
-              </a:rPr>
-              <a:t>very lucky</a:t>
-            </a:r>
-            <a:r>
-              <a:rPr lang="en-US" dirty="0" smtClean="0"/>
-              <a:t>, </a:t>
+              <a:t>If you are very lucky, </a:t>
             </a:r>
             <a:r>
               <a:rPr lang="en-US" dirty="0" smtClean="0">
@@ -12258,19 +12262,7 @@
             <a:pPr lvl="1"/>
             <a:r>
               <a:rPr lang="en-US" dirty="0" smtClean="0"/>
-              <a:t>If you are </a:t>
-            </a:r>
-            <a:r>
-              <a:rPr lang="en-US" dirty="0" smtClean="0">
-                <a:solidFill>
-                  <a:srgbClr val="FF0000"/>
-                </a:solidFill>
-              </a:rPr>
-              <a:t>unlucky</a:t>
-            </a:r>
-            <a:r>
-              <a:rPr lang="en-US" dirty="0" smtClean="0"/>
-              <a:t>, your </a:t>
+              <a:t>If you are unlucky, your </a:t>
             </a:r>
             <a:r>
               <a:rPr lang="en-US" dirty="0" smtClean="0">
@@ -12289,19 +12281,7 @@
             <a:pPr lvl="1"/>
             <a:r>
               <a:rPr lang="en-US" dirty="0" smtClean="0"/>
-              <a:t>If you are </a:t>
-            </a:r>
-            <a:r>
-              <a:rPr lang="en-US" dirty="0" smtClean="0">
-                <a:solidFill>
-                  <a:srgbClr val="FF0000"/>
-                </a:solidFill>
-              </a:rPr>
-              <a:t>very unlucky</a:t>
-            </a:r>
-            <a:r>
-              <a:rPr lang="en-US" dirty="0" smtClean="0"/>
-              <a:t>, </a:t>
+              <a:t>If you are very unlucky, </a:t>
             </a:r>
             <a:r>
               <a:rPr lang="en-US" dirty="0" smtClean="0">
@@ -12324,19 +12304,7 @@
             <a:pPr lvl="1"/>
             <a:r>
               <a:rPr lang="en-US" dirty="0" smtClean="0"/>
-              <a:t>If you are </a:t>
-            </a:r>
-            <a:r>
-              <a:rPr lang="en-US" dirty="0" smtClean="0">
-                <a:solidFill>
-                  <a:srgbClr val="FF0000"/>
-                </a:solidFill>
-              </a:rPr>
-              <a:t>smart</a:t>
-            </a:r>
-            <a:r>
-              <a:rPr lang="en-US" dirty="0" smtClean="0"/>
-              <a:t>, the </a:t>
+              <a:t>If you are smart, the </a:t>
             </a:r>
             <a:r>
               <a:rPr lang="en-US" dirty="0" smtClean="0">
@@ -12667,15 +12635,7 @@
             </a:pPr>
             <a:r>
               <a:rPr lang="en-GB" dirty="0" smtClean="0"/>
-              <a:t>Type checker </a:t>
-            </a:r>
-            <a:r>
-              <a:rPr lang="en-GB" dirty="0" smtClean="0"/>
-              <a:t>warns </a:t>
-            </a:r>
-            <a:r>
-              <a:rPr lang="en-GB" dirty="0" smtClean="0"/>
-              <a:t>about violations (bugs)</a:t>
+              <a:t>Type checker warns about violations (bugs)</a:t>
             </a:r>
             <a:endParaRPr lang="en-US" sz="2000" b="1" dirty="0" smtClean="0">
               <a:latin typeface="Courier New" pitchFamily="49" charset="0"/>
@@ -13101,7 +13061,7 @@
             </a:r>
             <a:r>
               <a:rPr lang="en-US" dirty="0" smtClean="0"/>
-              <a:t> annotation syntax</a:t>
+              <a:t>:  annotations on types</a:t>
             </a:r>
           </a:p>
           <a:p>
@@ -13456,8 +13416,8 @@
         </p:nvSpPr>
         <p:spPr>
           <a:xfrm>
-            <a:off x="457200" y="1831975"/>
-            <a:ext cx="8345714" cy="4551363"/>
+            <a:off x="457200" y="1671911"/>
+            <a:ext cx="8345714" cy="4684439"/>
           </a:xfrm>
         </p:spPr>
         <p:txBody>
@@ -13499,6 +13459,13 @@
             </a:r>
           </a:p>
           <a:p>
+            <a:endParaRPr lang="en-US" sz="700" b="1" dirty="0" smtClean="0">
+              <a:solidFill>
+                <a:srgbClr val="FF0000"/>
+              </a:solidFill>
+            </a:endParaRPr>
+          </a:p>
+          <a:p>
             <a:pPr>
               <a:buClr>
                 <a:schemeClr val="tx1"/>
@@ -13523,6 +13490,14 @@
               <a:rPr lang="en-US" dirty="0" smtClean="0"/>
               <a:t>Improve code structure &amp; maintainability</a:t>
             </a:r>
+          </a:p>
+          <a:p>
+            <a:pPr>
+              <a:buClr>
+                <a:schemeClr val="tx1"/>
+              </a:buClr>
+            </a:pPr>
+            <a:endParaRPr lang="en-US" sz="700" dirty="0" smtClean="0"/>
           </a:p>
           <a:p>
             <a:r>
